--- a/lectures/model_development.pptx
+++ b/lectures/model_development.pptx
@@ -136,6 +136,11 @@
       </a:defRPr>
     </a:lvl9pPr>
   </p:defaultTextStyle>
+  <p:extLst>
+    <p:ext uri="{EFAFB233-063F-42B5-8137-9DF3F51BA10A}">
+      <p15:sldGuideLst xmlns:p15="http://schemas.microsoft.com/office/powerpoint/2012/main"/>
+    </p:ext>
+  </p:extLst>
 </p:presentation>
 </file>
 
@@ -4051,7 +4056,15 @@
           <a:p>
             <a:r>
               <a:rPr lang="en-US" dirty="0"/>
-              <a:t>The Model Training and Development Process</a:t>
+              <a:t>The Model Development </a:t>
+            </a:r>
+            <a:r>
+              <a:rPr lang="en-US"/>
+              <a:t>and Evaluation </a:t>
+            </a:r>
+            <a:r>
+              <a:rPr lang="en-US" dirty="0"/>
+              <a:t>Process</a:t>
             </a:r>
           </a:p>
         </p:txBody>
@@ -4415,8 +4428,8 @@
           </a:p>
         </p:txBody>
       </p:sp>
-      <mc:AlternateContent xmlns:mc="http://schemas.openxmlformats.org/markup-compatibility/2006">
-        <mc:Choice xmlns:p14="http://schemas.microsoft.com/office/powerpoint/2010/main" Requires="p14">
+      <mc:AlternateContent xmlns:mc="http://schemas.openxmlformats.org/markup-compatibility/2006" xmlns:p14="http://schemas.microsoft.com/office/powerpoint/2010/main">
+        <mc:Choice Requires="p14">
           <p:contentPart p14:bwMode="auto" r:id="rId3">
             <p14:nvContentPartPr>
               <p14:cNvPr id="5" name="Ink 4">
@@ -4435,7 +4448,7 @@
             </p14:xfrm>
           </p:contentPart>
         </mc:Choice>
-        <mc:Fallback>
+        <mc:Fallback xmlns="">
           <p:pic>
             <p:nvPicPr>
               <p:cNvPr id="5" name="Ink 4">
@@ -4642,8 +4655,8 @@
           </a:p>
         </p:txBody>
       </p:sp>
-      <mc:AlternateContent xmlns:mc="http://schemas.openxmlformats.org/markup-compatibility/2006">
-        <mc:Choice xmlns:p14="http://schemas.microsoft.com/office/powerpoint/2010/main" Requires="p14">
+      <mc:AlternateContent xmlns:mc="http://schemas.openxmlformats.org/markup-compatibility/2006" xmlns:p14="http://schemas.microsoft.com/office/powerpoint/2010/main">
+        <mc:Choice Requires="p14">
           <p:contentPart p14:bwMode="auto" r:id="rId3">
             <p14:nvContentPartPr>
               <p14:cNvPr id="5" name="Ink 4">
@@ -4662,7 +4675,7 @@
             </p14:xfrm>
           </p:contentPart>
         </mc:Choice>
-        <mc:Fallback>
+        <mc:Fallback xmlns="">
           <p:pic>
             <p:nvPicPr>
               <p:cNvPr id="5" name="Ink 4">
@@ -4818,8 +4831,8 @@
           </a:p>
         </p:txBody>
       </p:sp>
-      <mc:AlternateContent xmlns:mc="http://schemas.openxmlformats.org/markup-compatibility/2006">
-        <mc:Choice xmlns:p14="http://schemas.microsoft.com/office/powerpoint/2010/main" Requires="p14">
+      <mc:AlternateContent xmlns:mc="http://schemas.openxmlformats.org/markup-compatibility/2006" xmlns:p14="http://schemas.microsoft.com/office/powerpoint/2010/main">
+        <mc:Choice Requires="p14">
           <p:contentPart p14:bwMode="auto" r:id="rId3">
             <p14:nvContentPartPr>
               <p14:cNvPr id="5" name="Ink 4">
@@ -4838,7 +4851,7 @@
             </p14:xfrm>
           </p:contentPart>
         </mc:Choice>
-        <mc:Fallback>
+        <mc:Fallback xmlns="">
           <p:pic>
             <p:nvPicPr>
               <p:cNvPr id="5" name="Ink 4">
@@ -4956,8 +4969,8 @@
           </a:prstGeom>
         </p:spPr>
       </p:pic>
-      <mc:AlternateContent xmlns:mc="http://schemas.openxmlformats.org/markup-compatibility/2006">
-        <mc:Choice xmlns:p14="http://schemas.microsoft.com/office/powerpoint/2010/main" Requires="p14">
+      <mc:AlternateContent xmlns:mc="http://schemas.openxmlformats.org/markup-compatibility/2006" xmlns:p14="http://schemas.microsoft.com/office/powerpoint/2010/main">
+        <mc:Choice Requires="p14">
           <p:contentPart p14:bwMode="auto" r:id="rId3">
             <p14:nvContentPartPr>
               <p14:cNvPr id="5" name="Ink 4">
@@ -4976,7 +4989,7 @@
             </p14:xfrm>
           </p:contentPart>
         </mc:Choice>
-        <mc:Fallback>
+        <mc:Fallback xmlns="">
           <p:pic>
             <p:nvPicPr>
               <p:cNvPr id="5" name="Ink 4">
@@ -17179,8 +17192,8 @@
               </p:txBody>
             </p:sp>
           </p:grpSp>
-          <mc:AlternateContent xmlns:mc="http://schemas.openxmlformats.org/markup-compatibility/2006">
-            <mc:Choice xmlns:a14="http://schemas.microsoft.com/office/drawing/2010/main" Requires="a14">
+          <mc:AlternateContent xmlns:mc="http://schemas.openxmlformats.org/markup-compatibility/2006" xmlns:a14="http://schemas.microsoft.com/office/drawing/2010/main">
+            <mc:Choice Requires="a14">
               <p:sp>
                 <p:nvSpPr>
                   <p:cNvPr id="176" name="TextBox 175">
@@ -17252,7 +17265,7 @@
                 </p:txBody>
               </p:sp>
             </mc:Choice>
-            <mc:Fallback>
+            <mc:Fallback xmlns="">
               <p:sp>
                 <p:nvSpPr>
                   <p:cNvPr id="176" name="TextBox 175">
@@ -17302,8 +17315,8 @@
           </mc:AlternateContent>
         </p:grpSp>
       </p:grpSp>
-      <mc:AlternateContent xmlns:mc="http://schemas.openxmlformats.org/markup-compatibility/2006">
-        <mc:Choice xmlns:a14="http://schemas.microsoft.com/office/drawing/2010/main" Requires="a14">
+      <mc:AlternateContent xmlns:mc="http://schemas.openxmlformats.org/markup-compatibility/2006" xmlns:a14="http://schemas.microsoft.com/office/drawing/2010/main">
+        <mc:Choice Requires="a14">
           <p:sp>
             <p:nvSpPr>
               <p:cNvPr id="285" name="TextBox 284">
@@ -17378,7 +17391,7 @@
             </p:txBody>
           </p:sp>
         </mc:Choice>
-        <mc:Fallback>
+        <mc:Fallback xmlns="">
           <p:sp>
             <p:nvSpPr>
               <p:cNvPr id="285" name="TextBox 284">
@@ -48449,8 +48462,8 @@
           </a:p>
         </p:txBody>
       </p:sp>
-      <mc:AlternateContent xmlns:mc="http://schemas.openxmlformats.org/markup-compatibility/2006">
-        <mc:Choice xmlns:p14="http://schemas.microsoft.com/office/powerpoint/2010/main" Requires="p14">
+      <mc:AlternateContent xmlns:mc="http://schemas.openxmlformats.org/markup-compatibility/2006" xmlns:p14="http://schemas.microsoft.com/office/powerpoint/2010/main">
+        <mc:Choice Requires="p14">
           <p:contentPart p14:bwMode="auto" r:id="rId3">
             <p14:nvContentPartPr>
               <p14:cNvPr id="3" name="Ink 2">
@@ -48469,7 +48482,7 @@
             </p14:xfrm>
           </p:contentPart>
         </mc:Choice>
-        <mc:Fallback>
+        <mc:Fallback xmlns="">
           <p:pic>
             <p:nvPicPr>
               <p:cNvPr id="3" name="Ink 2">

--- a/lectures/model_development.pptx
+++ b/lectures/model_development.pptx
@@ -5,7 +5,7 @@
     <p:sldMasterId id="2147483648" r:id="rId1"/>
   </p:sldMasterIdLst>
   <p:notesMasterIdLst>
-    <p:notesMasterId r:id="rId32"/>
+    <p:notesMasterId r:id="rId35"/>
   </p:notesMasterIdLst>
   <p:sldIdLst>
     <p:sldId id="256" r:id="rId2"/>
@@ -36,8 +36,11 @@
     <p:sldId id="463" r:id="rId27"/>
     <p:sldId id="478" r:id="rId28"/>
     <p:sldId id="458" r:id="rId29"/>
-    <p:sldId id="464" r:id="rId30"/>
-    <p:sldId id="479" r:id="rId31"/>
+    <p:sldId id="635" r:id="rId30"/>
+    <p:sldId id="640" r:id="rId31"/>
+    <p:sldId id="641" r:id="rId32"/>
+    <p:sldId id="642" r:id="rId33"/>
+    <p:sldId id="479" r:id="rId34"/>
   </p:sldIdLst>
   <p:sldSz cx="12192000" cy="6858000"/>
   <p:notesSz cx="6858000" cy="9144000"/>
@@ -366,7 +369,7 @@
           <a:p>
             <a:fld id="{E99DFB6A-6F0A-E64A-865F-BF9D30A0069E}" type="datetimeFigureOut">
               <a:rPr lang="en-US" smtClean="0"/>
-              <a:t>5/20/22</a:t>
+              <a:t>7/8/22</a:t>
             </a:fld>
             <a:endParaRPr lang="en-US"/>
           </a:p>
@@ -819,6 +822,90 @@
 </p:notes>
 </file>
 
+<file path=ppt/notesSlides/notesSlide3.xml><?xml version="1.0" encoding="utf-8"?>
+<p:notes xmlns:a="http://schemas.openxmlformats.org/drawingml/2006/main" xmlns:r="http://schemas.openxmlformats.org/officeDocument/2006/relationships" xmlns:p="http://schemas.openxmlformats.org/presentationml/2006/main">
+  <p:cSld>
+    <p:spTree>
+      <p:nvGrpSpPr>
+        <p:cNvPr id="1" name=""/>
+        <p:cNvGrpSpPr/>
+        <p:nvPr/>
+      </p:nvGrpSpPr>
+      <p:grpSpPr>
+        <a:xfrm>
+          <a:off x="0" y="0"/>
+          <a:ext cx="0" cy="0"/>
+          <a:chOff x="0" y="0"/>
+          <a:chExt cx="0" cy="0"/>
+        </a:xfrm>
+      </p:grpSpPr>
+      <p:sp>
+        <p:nvSpPr>
+          <p:cNvPr id="2" name="Slide Image Placeholder 1"/>
+          <p:cNvSpPr>
+            <a:spLocks noGrp="1" noRot="1" noChangeAspect="1"/>
+          </p:cNvSpPr>
+          <p:nvPr>
+            <p:ph type="sldImg"/>
+          </p:nvPr>
+        </p:nvSpPr>
+        <p:spPr/>
+      </p:sp>
+      <p:sp>
+        <p:nvSpPr>
+          <p:cNvPr id="3" name="Notes Placeholder 2"/>
+          <p:cNvSpPr>
+            <a:spLocks noGrp="1"/>
+          </p:cNvSpPr>
+          <p:nvPr>
+            <p:ph type="body" idx="1"/>
+          </p:nvPr>
+        </p:nvSpPr>
+        <p:spPr/>
+        <p:txBody>
+          <a:bodyPr/>
+          <a:lstStyle/>
+          <a:p>
+            <a:endParaRPr lang="en-US" dirty="0"/>
+          </a:p>
+        </p:txBody>
+      </p:sp>
+      <p:sp>
+        <p:nvSpPr>
+          <p:cNvPr id="4" name="Slide Number Placeholder 3"/>
+          <p:cNvSpPr>
+            <a:spLocks noGrp="1"/>
+          </p:cNvSpPr>
+          <p:nvPr>
+            <p:ph type="sldNum" sz="quarter" idx="5"/>
+          </p:nvPr>
+        </p:nvSpPr>
+        <p:spPr/>
+        <p:txBody>
+          <a:bodyPr/>
+          <a:lstStyle/>
+          <a:p>
+            <a:fld id="{209936FE-1CA5-6E47-9A7D-6B47478F9B92}" type="slidenum">
+              <a:rPr lang="en-US" smtClean="0"/>
+              <a:t>31</a:t>
+            </a:fld>
+            <a:endParaRPr lang="en-US"/>
+          </a:p>
+        </p:txBody>
+      </p:sp>
+    </p:spTree>
+    <p:extLst>
+      <p:ext uri="{BB962C8B-B14F-4D97-AF65-F5344CB8AC3E}">
+        <p14:creationId xmlns:p14="http://schemas.microsoft.com/office/powerpoint/2010/main" val="1716015105"/>
+      </p:ext>
+    </p:extLst>
+  </p:cSld>
+  <p:clrMapOvr>
+    <a:masterClrMapping/>
+  </p:clrMapOvr>
+</p:notes>
+</file>
+
 <file path=ppt/slideLayouts/slideLayout1.xml><?xml version="1.0" encoding="utf-8"?>
 <p:sldLayout xmlns:a="http://schemas.openxmlformats.org/drawingml/2006/main" xmlns:r="http://schemas.openxmlformats.org/officeDocument/2006/relationships" xmlns:p="http://schemas.openxmlformats.org/presentationml/2006/main" type="title" preserve="1">
   <p:cSld name="Title Slide">
@@ -966,7 +1053,7 @@
           <a:p>
             <a:fld id="{5D315C4B-6DA0-F74F-B7CD-96A87E9C28D7}" type="datetimeFigureOut">
               <a:rPr lang="en-US" smtClean="0"/>
-              <a:t>5/20/22</a:t>
+              <a:t>7/8/22</a:t>
             </a:fld>
             <a:endParaRPr lang="en-US"/>
           </a:p>
@@ -1164,7 +1251,7 @@
           <a:p>
             <a:fld id="{5D315C4B-6DA0-F74F-B7CD-96A87E9C28D7}" type="datetimeFigureOut">
               <a:rPr lang="en-US" smtClean="0"/>
-              <a:t>5/20/22</a:t>
+              <a:t>7/8/22</a:t>
             </a:fld>
             <a:endParaRPr lang="en-US"/>
           </a:p>
@@ -1372,7 +1459,7 @@
           <a:p>
             <a:fld id="{5D315C4B-6DA0-F74F-B7CD-96A87E9C28D7}" type="datetimeFigureOut">
               <a:rPr lang="en-US" smtClean="0"/>
-              <a:t>5/20/22</a:t>
+              <a:t>7/8/22</a:t>
             </a:fld>
             <a:endParaRPr lang="en-US"/>
           </a:p>
@@ -1570,7 +1657,7 @@
           <a:p>
             <a:fld id="{5D315C4B-6DA0-F74F-B7CD-96A87E9C28D7}" type="datetimeFigureOut">
               <a:rPr lang="en-US" smtClean="0"/>
-              <a:t>5/20/22</a:t>
+              <a:t>7/8/22</a:t>
             </a:fld>
             <a:endParaRPr lang="en-US"/>
           </a:p>
@@ -1845,7 +1932,7 @@
           <a:p>
             <a:fld id="{5D315C4B-6DA0-F74F-B7CD-96A87E9C28D7}" type="datetimeFigureOut">
               <a:rPr lang="en-US" smtClean="0"/>
-              <a:t>5/20/22</a:t>
+              <a:t>7/8/22</a:t>
             </a:fld>
             <a:endParaRPr lang="en-US"/>
           </a:p>
@@ -2110,7 +2197,7 @@
           <a:p>
             <a:fld id="{5D315C4B-6DA0-F74F-B7CD-96A87E9C28D7}" type="datetimeFigureOut">
               <a:rPr lang="en-US" smtClean="0"/>
-              <a:t>5/20/22</a:t>
+              <a:t>7/8/22</a:t>
             </a:fld>
             <a:endParaRPr lang="en-US"/>
           </a:p>
@@ -2522,7 +2609,7 @@
           <a:p>
             <a:fld id="{5D315C4B-6DA0-F74F-B7CD-96A87E9C28D7}" type="datetimeFigureOut">
               <a:rPr lang="en-US" smtClean="0"/>
-              <a:t>5/20/22</a:t>
+              <a:t>7/8/22</a:t>
             </a:fld>
             <a:endParaRPr lang="en-US"/>
           </a:p>
@@ -2663,7 +2750,7 @@
           <a:p>
             <a:fld id="{5D315C4B-6DA0-F74F-B7CD-96A87E9C28D7}" type="datetimeFigureOut">
               <a:rPr lang="en-US" smtClean="0"/>
-              <a:t>5/20/22</a:t>
+              <a:t>7/8/22</a:t>
             </a:fld>
             <a:endParaRPr lang="en-US"/>
           </a:p>
@@ -2776,7 +2863,7 @@
           <a:p>
             <a:fld id="{5D315C4B-6DA0-F74F-B7CD-96A87E9C28D7}" type="datetimeFigureOut">
               <a:rPr lang="en-US" smtClean="0"/>
-              <a:t>5/20/22</a:t>
+              <a:t>7/8/22</a:t>
             </a:fld>
             <a:endParaRPr lang="en-US"/>
           </a:p>
@@ -3087,7 +3174,7 @@
           <a:p>
             <a:fld id="{5D315C4B-6DA0-F74F-B7CD-96A87E9C28D7}" type="datetimeFigureOut">
               <a:rPr lang="en-US" smtClean="0"/>
-              <a:t>5/20/22</a:t>
+              <a:t>7/8/22</a:t>
             </a:fld>
             <a:endParaRPr lang="en-US"/>
           </a:p>
@@ -3375,7 +3462,7 @@
           <a:p>
             <a:fld id="{5D315C4B-6DA0-F74F-B7CD-96A87E9C28D7}" type="datetimeFigureOut">
               <a:rPr lang="en-US" smtClean="0"/>
-              <a:t>5/20/22</a:t>
+              <a:t>7/8/22</a:t>
             </a:fld>
             <a:endParaRPr lang="en-US"/>
           </a:p>
@@ -3616,7 +3703,7 @@
           <a:p>
             <a:fld id="{5D315C4B-6DA0-F74F-B7CD-96A87E9C28D7}" type="datetimeFigureOut">
               <a:rPr lang="en-US" smtClean="0"/>
-              <a:t>5/20/22</a:t>
+              <a:t>7/8/22</a:t>
             </a:fld>
             <a:endParaRPr lang="en-US"/>
           </a:p>
@@ -47076,7 +47163,7 @@
           <p:cNvPr id="2" name="Title 1">
             <a:extLst>
               <a:ext uri="{FF2B5EF4-FFF2-40B4-BE49-F238E27FC236}">
-                <a16:creationId xmlns:a16="http://schemas.microsoft.com/office/drawing/2014/main" id="{BBFBAD19-C6B3-D42F-B718-9729BBF0F7B8}"/>
+                <a16:creationId xmlns:a16="http://schemas.microsoft.com/office/drawing/2014/main" id="{7CA4EE16-017C-5489-3967-FEB717C9692B}"/>
               </a:ext>
             </a:extLst>
           </p:cNvPr>
@@ -47094,17 +47181,17 @@
           <a:p>
             <a:r>
               <a:rPr lang="en-US" dirty="0"/>
-              <a:t>What if we don’t have enough data for this?</a:t>
+              <a:t>Cross-Validation</a:t>
             </a:r>
           </a:p>
         </p:txBody>
       </p:sp>
       <p:sp>
         <p:nvSpPr>
-          <p:cNvPr id="3" name="Content Placeholder 2">
+          <p:cNvPr id="3" name="Text Placeholder 2">
             <a:extLst>
               <a:ext uri="{FF2B5EF4-FFF2-40B4-BE49-F238E27FC236}">
-                <a16:creationId xmlns:a16="http://schemas.microsoft.com/office/drawing/2014/main" id="{700D30D0-8D0B-82BF-E7E1-17EB95647347}"/>
+                <a16:creationId xmlns:a16="http://schemas.microsoft.com/office/drawing/2014/main" id="{E4601AEF-BE44-92B6-A028-58702380B290}"/>
               </a:ext>
             </a:extLst>
           </p:cNvPr>
@@ -47112,7 +47199,7 @@
             <a:spLocks noGrp="1"/>
           </p:cNvSpPr>
           <p:nvPr>
-            <p:ph idx="1"/>
+            <p:ph type="body" idx="1"/>
           </p:nvPr>
         </p:nvSpPr>
         <p:spPr/>
@@ -47122,127 +47209,15 @@
           <a:p>
             <a:r>
               <a:rPr lang="en-US" dirty="0"/>
-              <a:t>Very common in medicine</a:t>
+              <a:t>(time permitting)</a:t>
             </a:r>
-          </a:p>
-          <a:p>
-            <a:r>
-              <a:rPr lang="en-US" dirty="0"/>
-              <a:t>We use </a:t>
-            </a:r>
-            <a:r>
-              <a:rPr lang="en-US" i="1" dirty="0"/>
-              <a:t>cross validation</a:t>
-            </a:r>
-            <a:endParaRPr lang="en-US" dirty="0"/>
-          </a:p>
-          <a:p>
-            <a:endParaRPr lang="en-US" dirty="0"/>
-          </a:p>
-          <a:p>
-            <a:endParaRPr lang="en-US" dirty="0"/>
-          </a:p>
-        </p:txBody>
-      </p:sp>
-      <p:pic>
-        <p:nvPicPr>
-          <p:cNvPr id="4098" name="Picture 2">
-            <a:extLst>
-              <a:ext uri="{FF2B5EF4-FFF2-40B4-BE49-F238E27FC236}">
-                <a16:creationId xmlns:a16="http://schemas.microsoft.com/office/drawing/2014/main" id="{CE562FA0-07E0-1F17-457F-D5764F42AABE}"/>
-              </a:ext>
-            </a:extLst>
-          </p:cNvPr>
-          <p:cNvPicPr>
-            <a:picLocks noChangeAspect="1" noChangeArrowheads="1"/>
-          </p:cNvPicPr>
-          <p:nvPr/>
-        </p:nvPicPr>
-        <p:blipFill>
-          <a:blip r:embed="rId2">
-            <a:extLst>
-              <a:ext uri="{28A0092B-C50C-407E-A947-70E740481C1C}">
-                <a14:useLocalDpi xmlns:a14="http://schemas.microsoft.com/office/drawing/2010/main" val="0"/>
-              </a:ext>
-            </a:extLst>
-          </a:blip>
-          <a:srcRect/>
-          <a:stretch>
-            <a:fillRect/>
-          </a:stretch>
-        </p:blipFill>
-        <p:spPr bwMode="auto">
-          <a:xfrm>
-            <a:off x="6096000" y="2233945"/>
-            <a:ext cx="5878888" cy="3534697"/>
-          </a:xfrm>
-          <a:prstGeom prst="rect">
-            <a:avLst/>
-          </a:prstGeom>
-          <a:noFill/>
-          <a:extLst>
-            <a:ext uri="{909E8E84-426E-40DD-AFC4-6F175D3DCCD1}">
-              <a14:hiddenFill xmlns:a14="http://schemas.microsoft.com/office/drawing/2010/main">
-                <a:solidFill>
-                  <a:srgbClr val="FFFFFF"/>
-                </a:solidFill>
-              </a14:hiddenFill>
-            </a:ext>
-          </a:extLst>
-        </p:spPr>
-      </p:pic>
-      <p:sp>
-        <p:nvSpPr>
-          <p:cNvPr id="4" name="Rectangle 3">
-            <a:extLst>
-              <a:ext uri="{FF2B5EF4-FFF2-40B4-BE49-F238E27FC236}">
-                <a16:creationId xmlns:a16="http://schemas.microsoft.com/office/drawing/2014/main" id="{05E72686-26DA-C715-E87B-267E7709A566}"/>
-              </a:ext>
-            </a:extLst>
-          </p:cNvPr>
-          <p:cNvSpPr/>
-          <p:nvPr/>
-        </p:nvSpPr>
-        <p:spPr>
-          <a:xfrm>
-            <a:off x="5987444" y="5768642"/>
-            <a:ext cx="6096000" cy="261610"/>
-          </a:xfrm>
-          <a:prstGeom prst="rect">
-            <a:avLst/>
-          </a:prstGeom>
-        </p:spPr>
-        <p:txBody>
-          <a:bodyPr>
-            <a:spAutoFit/>
-          </a:bodyPr>
-          <a:lstStyle/>
-          <a:p>
-            <a:pPr algn="ctr"/>
-            <a:r>
-              <a:rPr lang="en-US" sz="1050" dirty="0"/>
-              <a:t>http://ethen8181.github.io/machine-learning/</a:t>
-            </a:r>
-            <a:r>
-              <a:rPr lang="en-US" sz="1050" dirty="0" err="1"/>
-              <a:t>model_selection</a:t>
-            </a:r>
-            <a:r>
-              <a:rPr lang="en-US" sz="1050" dirty="0"/>
-              <a:t>/</a:t>
-            </a:r>
-            <a:r>
-              <a:rPr lang="en-US" sz="1050" dirty="0" err="1"/>
-              <a:t>model_selection.html</a:t>
-            </a:r>
-            <a:endParaRPr lang="en-US" sz="1050" dirty="0"/>
           </a:p>
         </p:txBody>
       </p:sp>
     </p:spTree>
     <p:extLst>
       <p:ext uri="{BB962C8B-B14F-4D97-AF65-F5344CB8AC3E}">
-        <p14:creationId xmlns:p14="http://schemas.microsoft.com/office/powerpoint/2010/main" val="823853692"/>
+        <p14:creationId xmlns:p14="http://schemas.microsoft.com/office/powerpoint/2010/main" val="243647474"/>
       </p:ext>
     </p:extLst>
   </p:cSld>
@@ -47514,6 +47489,1070 @@
 </file>
 
 <file path=ppt/slides/slide30.xml><?xml version="1.0" encoding="utf-8"?>
+<p:sld xmlns:a="http://schemas.openxmlformats.org/drawingml/2006/main" xmlns:r="http://schemas.openxmlformats.org/officeDocument/2006/relationships" xmlns:p="http://schemas.openxmlformats.org/presentationml/2006/main">
+  <p:cSld>
+    <p:spTree>
+      <p:nvGrpSpPr>
+        <p:cNvPr id="1" name=""/>
+        <p:cNvGrpSpPr/>
+        <p:nvPr/>
+      </p:nvGrpSpPr>
+      <p:grpSpPr>
+        <a:xfrm>
+          <a:off x="0" y="0"/>
+          <a:ext cx="0" cy="0"/>
+          <a:chOff x="0" y="0"/>
+          <a:chExt cx="0" cy="0"/>
+        </a:xfrm>
+      </p:grpSpPr>
+      <p:sp>
+        <p:nvSpPr>
+          <p:cNvPr id="2" name="Title 1">
+            <a:extLst>
+              <a:ext uri="{FF2B5EF4-FFF2-40B4-BE49-F238E27FC236}">
+                <a16:creationId xmlns:a16="http://schemas.microsoft.com/office/drawing/2014/main" id="{BBFBAD19-C6B3-D42F-B718-9729BBF0F7B8}"/>
+              </a:ext>
+            </a:extLst>
+          </p:cNvPr>
+          <p:cNvSpPr>
+            <a:spLocks noGrp="1"/>
+          </p:cNvSpPr>
+          <p:nvPr>
+            <p:ph type="title"/>
+          </p:nvPr>
+        </p:nvSpPr>
+        <p:spPr/>
+        <p:txBody>
+          <a:bodyPr/>
+          <a:lstStyle/>
+          <a:p>
+            <a:r>
+              <a:rPr lang="en-US" dirty="0"/>
+              <a:t>Traditional “split” for development + eval</a:t>
+            </a:r>
+          </a:p>
+        </p:txBody>
+      </p:sp>
+      <p:sp>
+        <p:nvSpPr>
+          <p:cNvPr id="9" name="Rounded Rectangle 8">
+            <a:extLst>
+              <a:ext uri="{FF2B5EF4-FFF2-40B4-BE49-F238E27FC236}">
+                <a16:creationId xmlns:a16="http://schemas.microsoft.com/office/drawing/2014/main" id="{53B09747-DB52-AAC3-34DF-830E109E6714}"/>
+              </a:ext>
+            </a:extLst>
+          </p:cNvPr>
+          <p:cNvSpPr/>
+          <p:nvPr/>
+        </p:nvSpPr>
+        <p:spPr>
+          <a:xfrm>
+            <a:off x="6501580" y="3556823"/>
+            <a:ext cx="1826342" cy="1325564"/>
+          </a:xfrm>
+          <a:prstGeom prst="roundRect">
+            <a:avLst/>
+          </a:prstGeom>
+        </p:spPr>
+        <p:style>
+          <a:lnRef idx="2">
+            <a:schemeClr val="accent2">
+              <a:shade val="50000"/>
+            </a:schemeClr>
+          </a:lnRef>
+          <a:fillRef idx="1">
+            <a:schemeClr val="accent2"/>
+          </a:fillRef>
+          <a:effectRef idx="0">
+            <a:schemeClr val="accent2"/>
+          </a:effectRef>
+          <a:fontRef idx="minor">
+            <a:schemeClr val="lt1"/>
+          </a:fontRef>
+        </p:style>
+        <p:txBody>
+          <a:bodyPr rtlCol="0" anchor="ctr"/>
+          <a:lstStyle/>
+          <a:p>
+            <a:pPr algn="ctr"/>
+            <a:r>
+              <a:rPr lang="en-US" dirty="0"/>
+              <a:t>Validation set</a:t>
+            </a:r>
+          </a:p>
+        </p:txBody>
+      </p:sp>
+      <p:sp>
+        <p:nvSpPr>
+          <p:cNvPr id="10" name="Rounded Rectangle 9">
+            <a:extLst>
+              <a:ext uri="{FF2B5EF4-FFF2-40B4-BE49-F238E27FC236}">
+                <a16:creationId xmlns:a16="http://schemas.microsoft.com/office/drawing/2014/main" id="{31D900E1-50B8-A65C-283D-33DA39468AAC}"/>
+              </a:ext>
+            </a:extLst>
+          </p:cNvPr>
+          <p:cNvSpPr/>
+          <p:nvPr/>
+        </p:nvSpPr>
+        <p:spPr>
+          <a:xfrm>
+            <a:off x="838200" y="3556822"/>
+            <a:ext cx="5483942" cy="1325564"/>
+          </a:xfrm>
+          <a:prstGeom prst="roundRect">
+            <a:avLst/>
+          </a:prstGeom>
+        </p:spPr>
+        <p:style>
+          <a:lnRef idx="2">
+            <a:schemeClr val="accent1">
+              <a:shade val="50000"/>
+            </a:schemeClr>
+          </a:lnRef>
+          <a:fillRef idx="1">
+            <a:schemeClr val="accent1"/>
+          </a:fillRef>
+          <a:effectRef idx="0">
+            <a:schemeClr val="accent1"/>
+          </a:effectRef>
+          <a:fontRef idx="minor">
+            <a:schemeClr val="lt1"/>
+          </a:fontRef>
+        </p:style>
+        <p:txBody>
+          <a:bodyPr rtlCol="0" anchor="ctr"/>
+          <a:lstStyle/>
+          <a:p>
+            <a:pPr algn="ctr"/>
+            <a:r>
+              <a:rPr lang="en-US" dirty="0"/>
+              <a:t>Training set</a:t>
+            </a:r>
+          </a:p>
+        </p:txBody>
+      </p:sp>
+      <p:sp>
+        <p:nvSpPr>
+          <p:cNvPr id="11" name="Rounded Rectangle 10">
+            <a:extLst>
+              <a:ext uri="{FF2B5EF4-FFF2-40B4-BE49-F238E27FC236}">
+                <a16:creationId xmlns:a16="http://schemas.microsoft.com/office/drawing/2014/main" id="{E0027651-B011-5EB7-6E84-196F616538D9}"/>
+              </a:ext>
+            </a:extLst>
+          </p:cNvPr>
+          <p:cNvSpPr/>
+          <p:nvPr/>
+        </p:nvSpPr>
+        <p:spPr>
+          <a:xfrm>
+            <a:off x="8507360" y="3556822"/>
+            <a:ext cx="1826342" cy="1325564"/>
+          </a:xfrm>
+          <a:prstGeom prst="roundRect">
+            <a:avLst/>
+          </a:prstGeom>
+        </p:spPr>
+        <p:style>
+          <a:lnRef idx="2">
+            <a:schemeClr val="accent6">
+              <a:shade val="50000"/>
+            </a:schemeClr>
+          </a:lnRef>
+          <a:fillRef idx="1">
+            <a:schemeClr val="accent6"/>
+          </a:fillRef>
+          <a:effectRef idx="0">
+            <a:schemeClr val="accent6"/>
+          </a:effectRef>
+          <a:fontRef idx="minor">
+            <a:schemeClr val="lt1"/>
+          </a:fontRef>
+        </p:style>
+        <p:txBody>
+          <a:bodyPr rtlCol="0" anchor="ctr"/>
+          <a:lstStyle/>
+          <a:p>
+            <a:pPr algn="ctr"/>
+            <a:r>
+              <a:rPr lang="en-US" dirty="0"/>
+              <a:t>Test set</a:t>
+            </a:r>
+          </a:p>
+        </p:txBody>
+      </p:sp>
+      <p:sp>
+        <p:nvSpPr>
+          <p:cNvPr id="8" name="TextBox 7">
+            <a:extLst>
+              <a:ext uri="{FF2B5EF4-FFF2-40B4-BE49-F238E27FC236}">
+                <a16:creationId xmlns:a16="http://schemas.microsoft.com/office/drawing/2014/main" id="{42665B4A-A1C5-48BE-570D-6F63AD89102C}"/>
+              </a:ext>
+            </a:extLst>
+          </p:cNvPr>
+          <p:cNvSpPr txBox="1"/>
+          <p:nvPr/>
+        </p:nvSpPr>
+        <p:spPr>
+          <a:xfrm>
+            <a:off x="838200" y="4975122"/>
+            <a:ext cx="9895016" cy="369332"/>
+          </a:xfrm>
+          <a:prstGeom prst="rect">
+            <a:avLst/>
+          </a:prstGeom>
+          <a:noFill/>
+        </p:spPr>
+        <p:txBody>
+          <a:bodyPr wrap="none" rtlCol="0">
+            <a:spAutoFit/>
+          </a:bodyPr>
+          <a:lstStyle/>
+          <a:p>
+            <a:r>
+              <a:rPr lang="en-US" dirty="0"/>
+              <a:t>Train parameters					  Tune </a:t>
+            </a:r>
+            <a:r>
+              <a:rPr lang="en-US" dirty="0" err="1"/>
+              <a:t>hyperpms</a:t>
+            </a:r>
+            <a:r>
+              <a:rPr lang="en-US" dirty="0"/>
+              <a:t>	     Evaluate performance</a:t>
+            </a:r>
+          </a:p>
+        </p:txBody>
+      </p:sp>
+    </p:spTree>
+    <p:extLst>
+      <p:ext uri="{BB962C8B-B14F-4D97-AF65-F5344CB8AC3E}">
+        <p14:creationId xmlns:p14="http://schemas.microsoft.com/office/powerpoint/2010/main" val="3931651983"/>
+      </p:ext>
+    </p:extLst>
+  </p:cSld>
+  <p:clrMapOvr>
+    <a:masterClrMapping/>
+  </p:clrMapOvr>
+</p:sld>
+</file>
+
+<file path=ppt/slides/slide31.xml><?xml version="1.0" encoding="utf-8"?>
+<p:sld xmlns:a="http://schemas.openxmlformats.org/drawingml/2006/main" xmlns:r="http://schemas.openxmlformats.org/officeDocument/2006/relationships" xmlns:p="http://schemas.openxmlformats.org/presentationml/2006/main">
+  <p:cSld>
+    <p:spTree>
+      <p:nvGrpSpPr>
+        <p:cNvPr id="1" name=""/>
+        <p:cNvGrpSpPr/>
+        <p:nvPr/>
+      </p:nvGrpSpPr>
+      <p:grpSpPr>
+        <a:xfrm>
+          <a:off x="0" y="0"/>
+          <a:ext cx="0" cy="0"/>
+          <a:chOff x="0" y="0"/>
+          <a:chExt cx="0" cy="0"/>
+        </a:xfrm>
+      </p:grpSpPr>
+      <p:sp>
+        <p:nvSpPr>
+          <p:cNvPr id="2" name="Title 1">
+            <a:extLst>
+              <a:ext uri="{FF2B5EF4-FFF2-40B4-BE49-F238E27FC236}">
+                <a16:creationId xmlns:a16="http://schemas.microsoft.com/office/drawing/2014/main" id="{BBFBAD19-C6B3-D42F-B718-9729BBF0F7B8}"/>
+              </a:ext>
+            </a:extLst>
+          </p:cNvPr>
+          <p:cNvSpPr>
+            <a:spLocks noGrp="1"/>
+          </p:cNvSpPr>
+          <p:nvPr>
+            <p:ph type="title"/>
+          </p:nvPr>
+        </p:nvSpPr>
+        <p:spPr/>
+        <p:txBody>
+          <a:bodyPr/>
+          <a:lstStyle/>
+          <a:p>
+            <a:r>
+              <a:rPr lang="en-US" dirty="0"/>
+              <a:t>Cross validation: rotate the test set</a:t>
+            </a:r>
+          </a:p>
+        </p:txBody>
+      </p:sp>
+      <p:sp>
+        <p:nvSpPr>
+          <p:cNvPr id="9" name="Rounded Rectangle 8">
+            <a:extLst>
+              <a:ext uri="{FF2B5EF4-FFF2-40B4-BE49-F238E27FC236}">
+                <a16:creationId xmlns:a16="http://schemas.microsoft.com/office/drawing/2014/main" id="{53B09747-DB52-AAC3-34DF-830E109E6714}"/>
+              </a:ext>
+            </a:extLst>
+          </p:cNvPr>
+          <p:cNvSpPr/>
+          <p:nvPr/>
+        </p:nvSpPr>
+        <p:spPr>
+          <a:xfrm>
+            <a:off x="6875205" y="3163533"/>
+            <a:ext cx="1826342" cy="1325564"/>
+          </a:xfrm>
+          <a:prstGeom prst="roundRect">
+            <a:avLst/>
+          </a:prstGeom>
+        </p:spPr>
+        <p:style>
+          <a:lnRef idx="2">
+            <a:schemeClr val="accent1">
+              <a:shade val="50000"/>
+            </a:schemeClr>
+          </a:lnRef>
+          <a:fillRef idx="1">
+            <a:schemeClr val="accent1"/>
+          </a:fillRef>
+          <a:effectRef idx="0">
+            <a:schemeClr val="accent1"/>
+          </a:effectRef>
+          <a:fontRef idx="minor">
+            <a:schemeClr val="lt1"/>
+          </a:fontRef>
+        </p:style>
+        <p:txBody>
+          <a:bodyPr rtlCol="0" anchor="ctr"/>
+          <a:lstStyle/>
+          <a:p>
+            <a:pPr algn="ctr"/>
+            <a:r>
+              <a:rPr lang="en-US" dirty="0"/>
+              <a:t>Fold 4</a:t>
+            </a:r>
+          </a:p>
+        </p:txBody>
+      </p:sp>
+      <p:sp>
+        <p:nvSpPr>
+          <p:cNvPr id="11" name="Rounded Rectangle 10">
+            <a:extLst>
+              <a:ext uri="{FF2B5EF4-FFF2-40B4-BE49-F238E27FC236}">
+                <a16:creationId xmlns:a16="http://schemas.microsoft.com/office/drawing/2014/main" id="{E0027651-B011-5EB7-6E84-196F616538D9}"/>
+              </a:ext>
+            </a:extLst>
+          </p:cNvPr>
+          <p:cNvSpPr/>
+          <p:nvPr/>
+        </p:nvSpPr>
+        <p:spPr>
+          <a:xfrm>
+            <a:off x="8880985" y="3163532"/>
+            <a:ext cx="1826342" cy="1325564"/>
+          </a:xfrm>
+          <a:prstGeom prst="roundRect">
+            <a:avLst/>
+          </a:prstGeom>
+        </p:spPr>
+        <p:style>
+          <a:lnRef idx="2">
+            <a:schemeClr val="accent6">
+              <a:shade val="50000"/>
+            </a:schemeClr>
+          </a:lnRef>
+          <a:fillRef idx="1">
+            <a:schemeClr val="accent6"/>
+          </a:fillRef>
+          <a:effectRef idx="0">
+            <a:schemeClr val="accent6"/>
+          </a:effectRef>
+          <a:fontRef idx="minor">
+            <a:schemeClr val="lt1"/>
+          </a:fontRef>
+        </p:style>
+        <p:txBody>
+          <a:bodyPr rtlCol="0" anchor="ctr"/>
+          <a:lstStyle/>
+          <a:p>
+            <a:pPr algn="ctr"/>
+            <a:r>
+              <a:rPr lang="en-US" dirty="0"/>
+              <a:t>Fold 5</a:t>
+            </a:r>
+          </a:p>
+        </p:txBody>
+      </p:sp>
+      <p:sp>
+        <p:nvSpPr>
+          <p:cNvPr id="8" name="TextBox 7">
+            <a:extLst>
+              <a:ext uri="{FF2B5EF4-FFF2-40B4-BE49-F238E27FC236}">
+                <a16:creationId xmlns:a16="http://schemas.microsoft.com/office/drawing/2014/main" id="{42665B4A-A1C5-48BE-570D-6F63AD89102C}"/>
+              </a:ext>
+            </a:extLst>
+          </p:cNvPr>
+          <p:cNvSpPr txBox="1"/>
+          <p:nvPr/>
+        </p:nvSpPr>
+        <p:spPr>
+          <a:xfrm>
+            <a:off x="857865" y="4896464"/>
+            <a:ext cx="3576620" cy="1477328"/>
+          </a:xfrm>
+          <a:prstGeom prst="rect">
+            <a:avLst/>
+          </a:prstGeom>
+          <a:noFill/>
+        </p:spPr>
+        <p:txBody>
+          <a:bodyPr wrap="none" rtlCol="0">
+            <a:spAutoFit/>
+          </a:bodyPr>
+          <a:lstStyle/>
+          <a:p>
+            <a:r>
+              <a:rPr lang="en-US" dirty="0"/>
+              <a:t>Round 1: Train on 1-4, test on 5</a:t>
+            </a:r>
+          </a:p>
+          <a:p>
+            <a:r>
+              <a:rPr lang="en-US" dirty="0"/>
+              <a:t>Round 2: Train on all but 4, test on 4</a:t>
+            </a:r>
+          </a:p>
+          <a:p>
+            <a:r>
+              <a:rPr lang="en-US" dirty="0"/>
+              <a:t>Round 3: Train on all but 3, test on 3</a:t>
+            </a:r>
+          </a:p>
+          <a:p>
+            <a:r>
+              <a:rPr lang="en-US" dirty="0"/>
+              <a:t>Round 4: Train on all but 2, test on 2</a:t>
+            </a:r>
+          </a:p>
+          <a:p>
+            <a:r>
+              <a:rPr lang="en-US" dirty="0"/>
+              <a:t>Round 5: Train on 2-5, test on 1</a:t>
+            </a:r>
+          </a:p>
+        </p:txBody>
+      </p:sp>
+      <p:sp>
+        <p:nvSpPr>
+          <p:cNvPr id="7" name="Rounded Rectangle 6">
+            <a:extLst>
+              <a:ext uri="{FF2B5EF4-FFF2-40B4-BE49-F238E27FC236}">
+                <a16:creationId xmlns:a16="http://schemas.microsoft.com/office/drawing/2014/main" id="{3B62D3CA-7829-3D87-CD3B-56673E0ABE07}"/>
+              </a:ext>
+            </a:extLst>
+          </p:cNvPr>
+          <p:cNvSpPr/>
+          <p:nvPr/>
+        </p:nvSpPr>
+        <p:spPr>
+          <a:xfrm>
+            <a:off x="857865" y="3163532"/>
+            <a:ext cx="1826342" cy="1325564"/>
+          </a:xfrm>
+          <a:prstGeom prst="roundRect">
+            <a:avLst/>
+          </a:prstGeom>
+        </p:spPr>
+        <p:style>
+          <a:lnRef idx="2">
+            <a:schemeClr val="accent1">
+              <a:shade val="50000"/>
+            </a:schemeClr>
+          </a:lnRef>
+          <a:fillRef idx="1">
+            <a:schemeClr val="accent1"/>
+          </a:fillRef>
+          <a:effectRef idx="0">
+            <a:schemeClr val="accent1"/>
+          </a:effectRef>
+          <a:fontRef idx="minor">
+            <a:schemeClr val="lt1"/>
+          </a:fontRef>
+        </p:style>
+        <p:txBody>
+          <a:bodyPr rtlCol="0" anchor="ctr"/>
+          <a:lstStyle/>
+          <a:p>
+            <a:pPr algn="ctr"/>
+            <a:r>
+              <a:rPr lang="en-US" dirty="0"/>
+              <a:t>Fold 1</a:t>
+            </a:r>
+          </a:p>
+        </p:txBody>
+      </p:sp>
+      <p:sp>
+        <p:nvSpPr>
+          <p:cNvPr id="12" name="Rounded Rectangle 11">
+            <a:extLst>
+              <a:ext uri="{FF2B5EF4-FFF2-40B4-BE49-F238E27FC236}">
+                <a16:creationId xmlns:a16="http://schemas.microsoft.com/office/drawing/2014/main" id="{E516518D-FCFC-19D3-0BD7-4F6ED9920B0F}"/>
+              </a:ext>
+            </a:extLst>
+          </p:cNvPr>
+          <p:cNvSpPr/>
+          <p:nvPr/>
+        </p:nvSpPr>
+        <p:spPr>
+          <a:xfrm>
+            <a:off x="2863645" y="3163532"/>
+            <a:ext cx="1826342" cy="1325564"/>
+          </a:xfrm>
+          <a:prstGeom prst="roundRect">
+            <a:avLst/>
+          </a:prstGeom>
+        </p:spPr>
+        <p:style>
+          <a:lnRef idx="2">
+            <a:schemeClr val="accent1">
+              <a:shade val="50000"/>
+            </a:schemeClr>
+          </a:lnRef>
+          <a:fillRef idx="1">
+            <a:schemeClr val="accent1"/>
+          </a:fillRef>
+          <a:effectRef idx="0">
+            <a:schemeClr val="accent1"/>
+          </a:effectRef>
+          <a:fontRef idx="minor">
+            <a:schemeClr val="lt1"/>
+          </a:fontRef>
+        </p:style>
+        <p:txBody>
+          <a:bodyPr rtlCol="0" anchor="ctr"/>
+          <a:lstStyle/>
+          <a:p>
+            <a:pPr algn="ctr"/>
+            <a:r>
+              <a:rPr lang="en-US" dirty="0"/>
+              <a:t>Fold 2</a:t>
+            </a:r>
+          </a:p>
+        </p:txBody>
+      </p:sp>
+      <p:sp>
+        <p:nvSpPr>
+          <p:cNvPr id="13" name="Rounded Rectangle 12">
+            <a:extLst>
+              <a:ext uri="{FF2B5EF4-FFF2-40B4-BE49-F238E27FC236}">
+                <a16:creationId xmlns:a16="http://schemas.microsoft.com/office/drawing/2014/main" id="{09388C68-7AB8-1AE4-E474-974281B8D3A0}"/>
+              </a:ext>
+            </a:extLst>
+          </p:cNvPr>
+          <p:cNvSpPr/>
+          <p:nvPr/>
+        </p:nvSpPr>
+        <p:spPr>
+          <a:xfrm>
+            <a:off x="4869425" y="3163532"/>
+            <a:ext cx="1826342" cy="1325564"/>
+          </a:xfrm>
+          <a:prstGeom prst="roundRect">
+            <a:avLst/>
+          </a:prstGeom>
+        </p:spPr>
+        <p:style>
+          <a:lnRef idx="2">
+            <a:schemeClr val="accent1">
+              <a:shade val="50000"/>
+            </a:schemeClr>
+          </a:lnRef>
+          <a:fillRef idx="1">
+            <a:schemeClr val="accent1"/>
+          </a:fillRef>
+          <a:effectRef idx="0">
+            <a:schemeClr val="accent1"/>
+          </a:effectRef>
+          <a:fontRef idx="minor">
+            <a:schemeClr val="lt1"/>
+          </a:fontRef>
+        </p:style>
+        <p:txBody>
+          <a:bodyPr rtlCol="0" anchor="ctr"/>
+          <a:lstStyle/>
+          <a:p>
+            <a:pPr algn="ctr"/>
+            <a:r>
+              <a:rPr lang="en-US" dirty="0"/>
+              <a:t>Fold 3</a:t>
+            </a:r>
+          </a:p>
+        </p:txBody>
+      </p:sp>
+      <p:sp>
+        <p:nvSpPr>
+          <p:cNvPr id="14" name="TextBox 13">
+            <a:extLst>
+              <a:ext uri="{FF2B5EF4-FFF2-40B4-BE49-F238E27FC236}">
+                <a16:creationId xmlns:a16="http://schemas.microsoft.com/office/drawing/2014/main" id="{D9E73E01-D91F-DA76-6F41-3B08C0FB48C8}"/>
+              </a:ext>
+            </a:extLst>
+          </p:cNvPr>
+          <p:cNvSpPr txBox="1"/>
+          <p:nvPr/>
+        </p:nvSpPr>
+        <p:spPr>
+          <a:xfrm>
+            <a:off x="6875205" y="4896464"/>
+            <a:ext cx="3576620" cy="1477328"/>
+          </a:xfrm>
+          <a:prstGeom prst="rect">
+            <a:avLst/>
+          </a:prstGeom>
+          <a:noFill/>
+        </p:spPr>
+        <p:txBody>
+          <a:bodyPr wrap="square" rtlCol="0">
+            <a:spAutoFit/>
+          </a:bodyPr>
+          <a:lstStyle/>
+          <a:p>
+            <a:r>
+              <a:rPr lang="en-US" dirty="0"/>
+              <a:t>Why would we do this?</a:t>
+            </a:r>
+          </a:p>
+          <a:p>
+            <a:endParaRPr lang="en-US" dirty="0"/>
+          </a:p>
+          <a:p>
+            <a:pPr marL="285750" indent="-285750">
+              <a:buFont typeface="Arial" panose="020B0604020202020204" pitchFamily="34" charset="0"/>
+              <a:buChar char="•"/>
+            </a:pPr>
+            <a:r>
+              <a:rPr lang="en-US" dirty="0"/>
+              <a:t>More data for the evaluation</a:t>
+            </a:r>
+          </a:p>
+          <a:p>
+            <a:pPr marL="285750" indent="-285750">
+              <a:buFont typeface="Arial" panose="020B0604020202020204" pitchFamily="34" charset="0"/>
+              <a:buChar char="•"/>
+            </a:pPr>
+            <a:r>
+              <a:rPr lang="en-US" dirty="0"/>
+              <a:t>Better estimate of out-of-sample performance</a:t>
+            </a:r>
+          </a:p>
+        </p:txBody>
+      </p:sp>
+    </p:spTree>
+    <p:extLst>
+      <p:ext uri="{BB962C8B-B14F-4D97-AF65-F5344CB8AC3E}">
+        <p14:creationId xmlns:p14="http://schemas.microsoft.com/office/powerpoint/2010/main" val="2194698343"/>
+      </p:ext>
+    </p:extLst>
+  </p:cSld>
+  <p:clrMapOvr>
+    <a:masterClrMapping/>
+  </p:clrMapOvr>
+</p:sld>
+</file>
+
+<file path=ppt/slides/slide32.xml><?xml version="1.0" encoding="utf-8"?>
+<p:sld xmlns:a="http://schemas.openxmlformats.org/drawingml/2006/main" xmlns:r="http://schemas.openxmlformats.org/officeDocument/2006/relationships" xmlns:p="http://schemas.openxmlformats.org/presentationml/2006/main">
+  <p:cSld>
+    <p:spTree>
+      <p:nvGrpSpPr>
+        <p:cNvPr id="1" name=""/>
+        <p:cNvGrpSpPr/>
+        <p:nvPr/>
+      </p:nvGrpSpPr>
+      <p:grpSpPr>
+        <a:xfrm>
+          <a:off x="0" y="0"/>
+          <a:ext cx="0" cy="0"/>
+          <a:chOff x="0" y="0"/>
+          <a:chExt cx="0" cy="0"/>
+        </a:xfrm>
+      </p:grpSpPr>
+      <p:sp>
+        <p:nvSpPr>
+          <p:cNvPr id="2" name="Title 1">
+            <a:extLst>
+              <a:ext uri="{FF2B5EF4-FFF2-40B4-BE49-F238E27FC236}">
+                <a16:creationId xmlns:a16="http://schemas.microsoft.com/office/drawing/2014/main" id="{BBFBAD19-C6B3-D42F-B718-9729BBF0F7B8}"/>
+              </a:ext>
+            </a:extLst>
+          </p:cNvPr>
+          <p:cNvSpPr>
+            <a:spLocks noGrp="1"/>
+          </p:cNvSpPr>
+          <p:nvPr>
+            <p:ph type="title"/>
+          </p:nvPr>
+        </p:nvSpPr>
+        <p:spPr/>
+        <p:txBody>
+          <a:bodyPr/>
+          <a:lstStyle/>
+          <a:p>
+            <a:r>
+              <a:rPr lang="en-US" dirty="0"/>
+              <a:t>What happened to the validation set?</a:t>
+            </a:r>
+          </a:p>
+        </p:txBody>
+      </p:sp>
+      <p:sp>
+        <p:nvSpPr>
+          <p:cNvPr id="3" name="Content Placeholder 2">
+            <a:extLst>
+              <a:ext uri="{FF2B5EF4-FFF2-40B4-BE49-F238E27FC236}">
+                <a16:creationId xmlns:a16="http://schemas.microsoft.com/office/drawing/2014/main" id="{700D30D0-8D0B-82BF-E7E1-17EB95647347}"/>
+              </a:ext>
+            </a:extLst>
+          </p:cNvPr>
+          <p:cNvSpPr>
+            <a:spLocks noGrp="1"/>
+          </p:cNvSpPr>
+          <p:nvPr>
+            <p:ph idx="1"/>
+          </p:nvPr>
+        </p:nvSpPr>
+        <p:spPr/>
+        <p:txBody>
+          <a:bodyPr/>
+          <a:lstStyle/>
+          <a:p>
+            <a:r>
+              <a:rPr lang="en-US" dirty="0"/>
+              <a:t>Use “flat” cross-validation (below) versus “nested” cross-validation</a:t>
+            </a:r>
+          </a:p>
+          <a:p>
+            <a:r>
+              <a:rPr lang="en-US" dirty="0"/>
+              <a:t>Both give unbiased estimates and flat is easier </a:t>
+            </a:r>
+          </a:p>
+        </p:txBody>
+      </p:sp>
+      <p:sp>
+        <p:nvSpPr>
+          <p:cNvPr id="6" name="Rounded Rectangle 5">
+            <a:extLst>
+              <a:ext uri="{FF2B5EF4-FFF2-40B4-BE49-F238E27FC236}">
+                <a16:creationId xmlns:a16="http://schemas.microsoft.com/office/drawing/2014/main" id="{FF42701A-EE14-C0ED-93C4-B4213493D8CE}"/>
+              </a:ext>
+            </a:extLst>
+          </p:cNvPr>
+          <p:cNvSpPr/>
+          <p:nvPr/>
+        </p:nvSpPr>
+        <p:spPr>
+          <a:xfrm>
+            <a:off x="6875205" y="3163533"/>
+            <a:ext cx="1826342" cy="1325564"/>
+          </a:xfrm>
+          <a:prstGeom prst="roundRect">
+            <a:avLst/>
+          </a:prstGeom>
+        </p:spPr>
+        <p:style>
+          <a:lnRef idx="2">
+            <a:schemeClr val="accent2">
+              <a:shade val="50000"/>
+            </a:schemeClr>
+          </a:lnRef>
+          <a:fillRef idx="1">
+            <a:schemeClr val="accent2"/>
+          </a:fillRef>
+          <a:effectRef idx="0">
+            <a:schemeClr val="accent2"/>
+          </a:effectRef>
+          <a:fontRef idx="minor">
+            <a:schemeClr val="lt1"/>
+          </a:fontRef>
+        </p:style>
+        <p:txBody>
+          <a:bodyPr rtlCol="0" anchor="ctr"/>
+          <a:lstStyle/>
+          <a:p>
+            <a:pPr algn="ctr"/>
+            <a:r>
+              <a:rPr lang="en-US" dirty="0"/>
+              <a:t>Fold 4</a:t>
+            </a:r>
+          </a:p>
+        </p:txBody>
+      </p:sp>
+      <p:sp>
+        <p:nvSpPr>
+          <p:cNvPr id="7" name="Rounded Rectangle 6">
+            <a:extLst>
+              <a:ext uri="{FF2B5EF4-FFF2-40B4-BE49-F238E27FC236}">
+                <a16:creationId xmlns:a16="http://schemas.microsoft.com/office/drawing/2014/main" id="{D91EA0A4-E6DB-0DD5-707F-47F4071C1278}"/>
+              </a:ext>
+            </a:extLst>
+          </p:cNvPr>
+          <p:cNvSpPr/>
+          <p:nvPr/>
+        </p:nvSpPr>
+        <p:spPr>
+          <a:xfrm>
+            <a:off x="8880985" y="3163532"/>
+            <a:ext cx="1826342" cy="1325564"/>
+          </a:xfrm>
+          <a:prstGeom prst="roundRect">
+            <a:avLst/>
+          </a:prstGeom>
+        </p:spPr>
+        <p:style>
+          <a:lnRef idx="2">
+            <a:schemeClr val="accent6">
+              <a:shade val="50000"/>
+            </a:schemeClr>
+          </a:lnRef>
+          <a:fillRef idx="1">
+            <a:schemeClr val="accent6"/>
+          </a:fillRef>
+          <a:effectRef idx="0">
+            <a:schemeClr val="accent6"/>
+          </a:effectRef>
+          <a:fontRef idx="minor">
+            <a:schemeClr val="lt1"/>
+          </a:fontRef>
+        </p:style>
+        <p:txBody>
+          <a:bodyPr rtlCol="0" anchor="ctr"/>
+          <a:lstStyle/>
+          <a:p>
+            <a:pPr algn="ctr"/>
+            <a:r>
+              <a:rPr lang="en-US" dirty="0"/>
+              <a:t>Fold 5</a:t>
+            </a:r>
+          </a:p>
+        </p:txBody>
+      </p:sp>
+      <p:sp>
+        <p:nvSpPr>
+          <p:cNvPr id="8" name="Rounded Rectangle 7">
+            <a:extLst>
+              <a:ext uri="{FF2B5EF4-FFF2-40B4-BE49-F238E27FC236}">
+                <a16:creationId xmlns:a16="http://schemas.microsoft.com/office/drawing/2014/main" id="{68BD54E6-7D50-F44B-AAA3-1F0E2E5FB674}"/>
+              </a:ext>
+            </a:extLst>
+          </p:cNvPr>
+          <p:cNvSpPr/>
+          <p:nvPr/>
+        </p:nvSpPr>
+        <p:spPr>
+          <a:xfrm>
+            <a:off x="857865" y="3163532"/>
+            <a:ext cx="1826342" cy="1325564"/>
+          </a:xfrm>
+          <a:prstGeom prst="roundRect">
+            <a:avLst/>
+          </a:prstGeom>
+        </p:spPr>
+        <p:style>
+          <a:lnRef idx="2">
+            <a:schemeClr val="accent1">
+              <a:shade val="50000"/>
+            </a:schemeClr>
+          </a:lnRef>
+          <a:fillRef idx="1">
+            <a:schemeClr val="accent1"/>
+          </a:fillRef>
+          <a:effectRef idx="0">
+            <a:schemeClr val="accent1"/>
+          </a:effectRef>
+          <a:fontRef idx="minor">
+            <a:schemeClr val="lt1"/>
+          </a:fontRef>
+        </p:style>
+        <p:txBody>
+          <a:bodyPr rtlCol="0" anchor="ctr"/>
+          <a:lstStyle/>
+          <a:p>
+            <a:pPr algn="ctr"/>
+            <a:r>
+              <a:rPr lang="en-US" dirty="0"/>
+              <a:t>Fold 1</a:t>
+            </a:r>
+          </a:p>
+        </p:txBody>
+      </p:sp>
+      <p:sp>
+        <p:nvSpPr>
+          <p:cNvPr id="9" name="Rounded Rectangle 8">
+            <a:extLst>
+              <a:ext uri="{FF2B5EF4-FFF2-40B4-BE49-F238E27FC236}">
+                <a16:creationId xmlns:a16="http://schemas.microsoft.com/office/drawing/2014/main" id="{C907F2B1-C969-BA31-A707-BC23DE2536A4}"/>
+              </a:ext>
+            </a:extLst>
+          </p:cNvPr>
+          <p:cNvSpPr/>
+          <p:nvPr/>
+        </p:nvSpPr>
+        <p:spPr>
+          <a:xfrm>
+            <a:off x="2863645" y="3163532"/>
+            <a:ext cx="1826342" cy="1325564"/>
+          </a:xfrm>
+          <a:prstGeom prst="roundRect">
+            <a:avLst/>
+          </a:prstGeom>
+        </p:spPr>
+        <p:style>
+          <a:lnRef idx="2">
+            <a:schemeClr val="accent1">
+              <a:shade val="50000"/>
+            </a:schemeClr>
+          </a:lnRef>
+          <a:fillRef idx="1">
+            <a:schemeClr val="accent1"/>
+          </a:fillRef>
+          <a:effectRef idx="0">
+            <a:schemeClr val="accent1"/>
+          </a:effectRef>
+          <a:fontRef idx="minor">
+            <a:schemeClr val="lt1"/>
+          </a:fontRef>
+        </p:style>
+        <p:txBody>
+          <a:bodyPr rtlCol="0" anchor="ctr"/>
+          <a:lstStyle/>
+          <a:p>
+            <a:pPr algn="ctr"/>
+            <a:r>
+              <a:rPr lang="en-US" dirty="0"/>
+              <a:t>Fold 2</a:t>
+            </a:r>
+          </a:p>
+        </p:txBody>
+      </p:sp>
+      <p:sp>
+        <p:nvSpPr>
+          <p:cNvPr id="10" name="Rounded Rectangle 9">
+            <a:extLst>
+              <a:ext uri="{FF2B5EF4-FFF2-40B4-BE49-F238E27FC236}">
+                <a16:creationId xmlns:a16="http://schemas.microsoft.com/office/drawing/2014/main" id="{21B594AF-0C78-E70A-8A2C-4A054D765224}"/>
+              </a:ext>
+            </a:extLst>
+          </p:cNvPr>
+          <p:cNvSpPr/>
+          <p:nvPr/>
+        </p:nvSpPr>
+        <p:spPr>
+          <a:xfrm>
+            <a:off x="4869425" y="3163532"/>
+            <a:ext cx="1826342" cy="1325564"/>
+          </a:xfrm>
+          <a:prstGeom prst="roundRect">
+            <a:avLst/>
+          </a:prstGeom>
+        </p:spPr>
+        <p:style>
+          <a:lnRef idx="2">
+            <a:schemeClr val="accent1">
+              <a:shade val="50000"/>
+            </a:schemeClr>
+          </a:lnRef>
+          <a:fillRef idx="1">
+            <a:schemeClr val="accent1"/>
+          </a:fillRef>
+          <a:effectRef idx="0">
+            <a:schemeClr val="accent1"/>
+          </a:effectRef>
+          <a:fontRef idx="minor">
+            <a:schemeClr val="lt1"/>
+          </a:fontRef>
+        </p:style>
+        <p:txBody>
+          <a:bodyPr rtlCol="0" anchor="ctr"/>
+          <a:lstStyle/>
+          <a:p>
+            <a:pPr algn="ctr"/>
+            <a:r>
+              <a:rPr lang="en-US" dirty="0"/>
+              <a:t>Fold 3</a:t>
+            </a:r>
+          </a:p>
+        </p:txBody>
+      </p:sp>
+      <p:sp>
+        <p:nvSpPr>
+          <p:cNvPr id="11" name="TextBox 10">
+            <a:extLst>
+              <a:ext uri="{FF2B5EF4-FFF2-40B4-BE49-F238E27FC236}">
+                <a16:creationId xmlns:a16="http://schemas.microsoft.com/office/drawing/2014/main" id="{1E553D7D-2439-0EE2-6DF4-D440021977DC}"/>
+              </a:ext>
+            </a:extLst>
+          </p:cNvPr>
+          <p:cNvSpPr txBox="1"/>
+          <p:nvPr/>
+        </p:nvSpPr>
+        <p:spPr>
+          <a:xfrm>
+            <a:off x="857865" y="4896464"/>
+            <a:ext cx="5115503" cy="1477328"/>
+          </a:xfrm>
+          <a:prstGeom prst="rect">
+            <a:avLst/>
+          </a:prstGeom>
+          <a:noFill/>
+        </p:spPr>
+        <p:txBody>
+          <a:bodyPr wrap="none" rtlCol="0">
+            <a:spAutoFit/>
+          </a:bodyPr>
+          <a:lstStyle/>
+          <a:p>
+            <a:r>
+              <a:rPr lang="en-US" dirty="0"/>
+              <a:t>Round 1: Train on 1-3, validate on 4, test on 5</a:t>
+            </a:r>
+          </a:p>
+          <a:p>
+            <a:r>
+              <a:rPr lang="en-US" dirty="0"/>
+              <a:t>Round 2: Train on 2-4, validate on 5, test on 1</a:t>
+            </a:r>
+          </a:p>
+          <a:p>
+            <a:r>
+              <a:rPr lang="en-US" dirty="0"/>
+              <a:t>Round 3: Train on 3-5, validate on 1, test on 2</a:t>
+            </a:r>
+          </a:p>
+          <a:p>
+            <a:r>
+              <a:rPr lang="en-US" dirty="0"/>
+              <a:t>Round 4: Train on 4, 5, and 1; validate on 2, test on 3</a:t>
+            </a:r>
+          </a:p>
+          <a:p>
+            <a:r>
+              <a:rPr lang="en-US" dirty="0"/>
+              <a:t>Round 5: Train on 5, 1, and 2; validate on 3, test on 4</a:t>
+            </a:r>
+          </a:p>
+        </p:txBody>
+      </p:sp>
+    </p:spTree>
+    <p:extLst>
+      <p:ext uri="{BB962C8B-B14F-4D97-AF65-F5344CB8AC3E}">
+        <p14:creationId xmlns:p14="http://schemas.microsoft.com/office/powerpoint/2010/main" val="3511156977"/>
+      </p:ext>
+    </p:extLst>
+  </p:cSld>
+  <p:clrMapOvr>
+    <a:masterClrMapping/>
+  </p:clrMapOvr>
+</p:sld>
+</file>
+
+<file path=ppt/slides/slide33.xml><?xml version="1.0" encoding="utf-8"?>
 <p:sld xmlns:a="http://schemas.openxmlformats.org/drawingml/2006/main" xmlns:r="http://schemas.openxmlformats.org/officeDocument/2006/relationships" xmlns:p="http://schemas.openxmlformats.org/presentationml/2006/main">
   <p:cSld>
     <p:spTree>
